--- a/Documentation/RyanMauldinDesignPatternsInCSharp.pptx
+++ b/Documentation/RyanMauldinDesignPatternsInCSharp.pptx
@@ -6119,6 +6119,13 @@
   <p:clrMapOvr>
     <a:masterClrMapping/>
   </p:clrMapOvr>
+  <p:timing>
+    <p:tnLst>
+      <p:par>
+        <p:cTn id="1" dur="indefinite" restart="never" nodeType="tmRoot"/>
+      </p:par>
+    </p:tnLst>
+  </p:timing>
 </p:sld>
 </file>
 
@@ -6210,13 +6217,8 @@
             </a:r>
             <a:r>
               <a:rPr lang="en-US" dirty="0" smtClean="0"/>
-              <a:t> </a:t>
-            </a:r>
-            <a:r>
-              <a:rPr lang="en-US" dirty="0" smtClean="0"/>
-              <a:t>is not a Builder Pattern, but does give us a fluent syntax. However, this is more for if you were doing a whole pattern to hide something non-sense. Builder pattern is to encapsulate building complex stuff, with algorithmic steps.</a:t>
-            </a:r>
-            <a:endParaRPr lang="en-US" dirty="0" smtClean="0"/>
+              <a:t> is not a Builder Pattern, but does give us a fluent syntax. However, this is more for if you were doing a whole pattern to hide something non-sense. Builder pattern is to encapsulate building complex stuff, with algorithmic steps.</a:t>
+            </a:r>
           </a:p>
           <a:p>
             <a:r>
@@ -7203,16 +7205,16 @@
           <a:lstStyle/>
           <a:p>
             <a:r>
-              <a:rPr lang="en-US" dirty="0" smtClean="0"/>
+              <a:rPr lang="en-US" smtClean="0"/>
               <a:t>An </a:t>
             </a:r>
             <a:r>
-              <a:rPr lang="en-US" dirty="0" err="1" smtClean="0"/>
-              <a:t>Anit</a:t>
-            </a:r>
-            <a:r>
-              <a:rPr lang="en-US" dirty="0" smtClean="0"/>
-              <a:t>-Pattern tells you how to go from a problem to a </a:t>
+              <a:rPr lang="en-US" smtClean="0"/>
+              <a:t>Anti-Pattern </a:t>
+            </a:r>
+            <a:r>
+              <a:rPr lang="en-US" dirty="0" smtClean="0"/>
+              <a:t>tells you how to go from a problem to a </a:t>
             </a:r>
             <a:r>
               <a:rPr lang="en-US" b="1" dirty="0" smtClean="0"/>
@@ -7364,15 +7366,7 @@
           <a:p>
             <a:r>
               <a:rPr lang="en-US" dirty="0" smtClean="0"/>
-              <a:t>I have written the start of a design patterns example collection that I have open sourced. We will be </a:t>
-            </a:r>
-            <a:r>
-              <a:rPr lang="en-US" dirty="0" smtClean="0"/>
-              <a:t>the </a:t>
-            </a:r>
-            <a:r>
-              <a:rPr lang="en-US" dirty="0" smtClean="0"/>
-              <a:t>code base for the following principles and patterns:</a:t>
+              <a:t>I have written the start of a design patterns example collection that I have open sourced. We will be the code base for the following principles and patterns:</a:t>
             </a:r>
           </a:p>
           <a:p>
@@ -7399,7 +7393,7 @@
           <a:p>
             <a:pPr lvl="1"/>
             <a:r>
-              <a:rPr lang="en-US" smtClean="0"/>
+              <a:rPr lang="en-US" dirty="0" smtClean="0"/>
               <a:t>Strategy Pattern</a:t>
             </a:r>
           </a:p>
@@ -7407,11 +7401,7 @@
             <a:pPr lvl="1"/>
             <a:r>
               <a:rPr lang="en-US" dirty="0" smtClean="0"/>
-              <a:t>Factory </a:t>
-            </a:r>
-            <a:r>
-              <a:rPr lang="en-US" dirty="0" smtClean="0"/>
-              <a:t>Method Pattern</a:t>
+              <a:t>Factory Method Pattern</a:t>
             </a:r>
           </a:p>
           <a:p>
@@ -7587,6 +7577,13 @@
   <p:clrMapOvr>
     <a:masterClrMapping/>
   </p:clrMapOvr>
+  <p:timing>
+    <p:tnLst>
+      <p:par>
+        <p:cTn id="1" dur="indefinite" restart="never" nodeType="tmRoot"/>
+      </p:par>
+    </p:tnLst>
+  </p:timing>
 </p:sld>
 </file>
 
@@ -7723,11 +7720,7 @@
             </a:r>
             <a:r>
               <a:rPr lang="en-US" dirty="0" smtClean="0"/>
-              <a:t> </a:t>
-            </a:r>
-            <a:r>
-              <a:rPr lang="en-US" dirty="0" smtClean="0"/>
-              <a:t>– Operations on values of one type, can be performed on another type.</a:t>
+              <a:t> – Operations on values of one type, can be performed on another type.</a:t>
             </a:r>
           </a:p>
           <a:p>
@@ -7745,6 +7738,13 @@
   <p:clrMapOvr>
     <a:masterClrMapping/>
   </p:clrMapOvr>
+  <p:timing>
+    <p:tnLst>
+      <p:par>
+        <p:cTn id="1" dur="indefinite" restart="never" nodeType="tmRoot"/>
+      </p:par>
+    </p:tnLst>
+  </p:timing>
 </p:sld>
 </file>
 
@@ -7901,17 +7901,12 @@
               <a:rPr lang="en-US" dirty="0" smtClean="0"/>
               <a:t>Principle / Inversion of Control</a:t>
             </a:r>
-            <a:endParaRPr lang="en-US" dirty="0" smtClean="0"/>
           </a:p>
           <a:p>
             <a:pPr lvl="1"/>
             <a:r>
               <a:rPr lang="en-US" dirty="0" smtClean="0"/>
-              <a:t>Hollywood Principle: “Don’t call us, we’ll call you</a:t>
-            </a:r>
-            <a:r>
-              <a:rPr lang="en-US" dirty="0" smtClean="0"/>
-              <a:t>.”</a:t>
+              <a:t>Hollywood Principle: “Don’t call us, we’ll call you.”</a:t>
             </a:r>
             <a:endParaRPr lang="en-US" dirty="0"/>
           </a:p>
@@ -7927,6 +7922,13 @@
   <p:clrMapOvr>
     <a:masterClrMapping/>
   </p:clrMapOvr>
+  <p:timing>
+    <p:tnLst>
+      <p:par>
+        <p:cTn id="1" dur="indefinite" restart="never" nodeType="tmRoot"/>
+      </p:par>
+    </p:tnLst>
+  </p:timing>
 </p:sld>
 </file>
 
